--- a/y3s2/实变函数/ppt/11实变函数论第十一讲-依测度收敛.pptx
+++ b/y3s2/实变函数/ppt/11实变函数论第十一讲-依测度收敛.pptx
@@ -255,7 +255,7 @@
           <a:p>
             <a:fld id="{9BCA2BFE-EA4A-4C24-BF64-0B87CBEF88E0}" type="datetimeFigureOut">
               <a:rPr lang="zh-CN" altLang="en-US" smtClean="0"/>
-              <a:t>2022/5/17</a:t>
+              <a:t>2023/4/20</a:t>
             </a:fld>
             <a:endParaRPr lang="zh-CN" altLang="en-US"/>
           </a:p>
@@ -4594,8 +4594,8 @@
           <a:chExt cx="0" cy="0"/>
         </a:xfrm>
       </p:grpSpPr>
-      <mc:AlternateContent xmlns:mc="http://schemas.openxmlformats.org/markup-compatibility/2006">
-        <mc:Choice xmlns:a14="http://schemas.microsoft.com/office/drawing/2010/main" Requires="a14">
+      <mc:AlternateContent xmlns:mc="http://schemas.openxmlformats.org/markup-compatibility/2006" xmlns:a14="http://schemas.microsoft.com/office/drawing/2010/main">
+        <mc:Choice Requires="a14">
           <p:sp>
             <p:nvSpPr>
               <p:cNvPr id="25603" name="Rectangle 3"/>
@@ -6393,7 +6393,7 @@
             </p:txBody>
           </p:sp>
         </mc:Choice>
-        <mc:Fallback>
+        <mc:Fallback xmlns="">
           <p:sp>
             <p:nvSpPr>
               <p:cNvPr id="25603" name="Rectangle 3"/>
@@ -12774,8 +12774,8 @@
           <a:chExt cx="0" cy="0"/>
         </a:xfrm>
       </p:grpSpPr>
-      <mc:AlternateContent xmlns:mc="http://schemas.openxmlformats.org/markup-compatibility/2006">
-        <mc:Choice xmlns:a14="http://schemas.microsoft.com/office/drawing/2010/main" Requires="a14">
+      <mc:AlternateContent xmlns:mc="http://schemas.openxmlformats.org/markup-compatibility/2006" xmlns:a14="http://schemas.microsoft.com/office/drawing/2010/main">
+        <mc:Choice Requires="a14">
           <p:sp>
             <p:nvSpPr>
               <p:cNvPr id="36867" name="Rectangle 3"/>
@@ -14249,7 +14249,7 @@
             </p:txBody>
           </p:sp>
         </mc:Choice>
-        <mc:Fallback>
+        <mc:Fallback xmlns="">
           <p:sp>
             <p:nvSpPr>
               <p:cNvPr id="36867" name="Rectangle 3"/>
@@ -19425,8 +19425,8 @@
           <a:chExt cx="0" cy="0"/>
         </a:xfrm>
       </p:grpSpPr>
-      <mc:AlternateContent xmlns:mc="http://schemas.openxmlformats.org/markup-compatibility/2006" xmlns:a14="http://schemas.microsoft.com/office/drawing/2010/main">
-        <mc:Choice Requires="a14">
+      <mc:AlternateContent xmlns:mc="http://schemas.openxmlformats.org/markup-compatibility/2006">
+        <mc:Choice xmlns:a14="http://schemas.microsoft.com/office/drawing/2010/main" Requires="a14">
           <p:sp>
             <p:nvSpPr>
               <p:cNvPr id="17411" name="Rectangle 3"/>
@@ -19513,7 +19513,7 @@
                     </a:solidFill>
                     <a:latin typeface="华文中宋" panose="02010600040101010101" pitchFamily="2" charset="-122"/>
                   </a:rPr>
-                  <a:t>为有限测度集的条件可否去掉？为什么</a:t>
+                  <a:t>为有限测度集的条件可否去掉</a:t>
                 </a:r>
                 <a:r>
                   <a:rPr lang="zh-CN" altLang="en-US" b="1" dirty="0" smtClean="0">
@@ -19522,7 +19522,7 @@
                     </a:solidFill>
                     <a:latin typeface="华文中宋" panose="02010600040101010101" pitchFamily="2" charset="-122"/>
                   </a:rPr>
-                  <a:t>？</a:t>
+                  <a:t>？ </a:t>
                 </a:r>
                 <a:r>
                   <a:rPr lang="en-US" altLang="zh-CN" b="1" dirty="0" smtClean="0">
@@ -19659,7 +19659,7 @@
             </p:txBody>
           </p:sp>
         </mc:Choice>
-        <mc:Fallback xmlns="">
+        <mc:Fallback>
           <p:sp>
             <p:nvSpPr>
               <p:cNvPr id="17411" name="Rectangle 3"/>
@@ -19734,8 +19734,8 @@
           <a:chExt cx="0" cy="0"/>
         </a:xfrm>
       </p:grpSpPr>
-      <mc:AlternateContent xmlns:mc="http://schemas.openxmlformats.org/markup-compatibility/2006">
-        <mc:Choice xmlns:a14="http://schemas.microsoft.com/office/drawing/2010/main" Requires="a14">
+      <mc:AlternateContent xmlns:mc="http://schemas.openxmlformats.org/markup-compatibility/2006" xmlns:a14="http://schemas.microsoft.com/office/drawing/2010/main">
+        <mc:Choice Requires="a14">
           <p:sp>
             <p:nvSpPr>
               <p:cNvPr id="18435" name="Rectangle 3"/>
@@ -19775,13 +19775,7 @@
                       <a:rPr lang="en-US" altLang="zh-CN" sz="2800" b="0" i="1" smtClean="0">
                         <a:latin typeface="Cambria Math" panose="02040503050406030204" pitchFamily="18" charset="0"/>
                       </a:rPr>
-                      <m:t>=[0,1</m:t>
-                    </m:r>
-                    <m:r>
-                      <a:rPr lang="en-US" altLang="zh-CN" sz="2800" b="0" i="1" smtClean="0">
-                        <a:latin typeface="Cambria Math" panose="02040503050406030204" pitchFamily="18" charset="0"/>
-                      </a:rPr>
-                      <m:t>)</m:t>
+                      <m:t>=[0,1)</m:t>
                     </m:r>
                   </m:oMath>
                 </a14:m>
@@ -21072,13 +21066,7 @@
                   <a:rPr lang="zh-CN" altLang="en-US" sz="2800" dirty="0" smtClean="0">
                     <a:latin typeface="华文中宋" panose="02010600040101010101" pitchFamily="2" charset="-122"/>
                   </a:rPr>
-                  <a:t>，</a:t>
-                </a:r>
-                <a:r>
-                  <a:rPr lang="zh-CN" altLang="en-US" sz="2800" dirty="0" smtClean="0">
-                    <a:latin typeface="华文中宋" panose="02010600040101010101" pitchFamily="2" charset="-122"/>
-                  </a:rPr>
-                  <a:t>若</a:t>
+                  <a:t>，若</a:t>
                 </a:r>
                 <a14:m>
                   <m:oMath xmlns:m="http://schemas.openxmlformats.org/officeDocument/2006/math">
@@ -21557,7 +21545,7 @@
             </p:txBody>
           </p:sp>
         </mc:Choice>
-        <mc:Fallback>
+        <mc:Fallback xmlns="">
           <p:sp>
             <p:nvSpPr>
               <p:cNvPr id="18435" name="Rectangle 3"/>
@@ -21632,8 +21620,8 @@
           <a:chExt cx="0" cy="0"/>
         </a:xfrm>
       </p:grpSpPr>
-      <mc:AlternateContent xmlns:mc="http://schemas.openxmlformats.org/markup-compatibility/2006">
-        <mc:Choice xmlns:a14="http://schemas.microsoft.com/office/drawing/2010/main" Requires="a14">
+      <mc:AlternateContent xmlns:mc="http://schemas.openxmlformats.org/markup-compatibility/2006" xmlns:a14="http://schemas.microsoft.com/office/drawing/2010/main">
+        <mc:Choice Requires="a14">
           <p:sp>
             <p:nvSpPr>
               <p:cNvPr id="20483" name="Rectangle 3"/>
@@ -22318,13 +22306,7 @@
                   <a:rPr lang="zh-CN" altLang="en-US" sz="2800" dirty="0" smtClean="0">
                     <a:latin typeface="华文中宋" panose="02010600040101010101" pitchFamily="2" charset="-122"/>
                   </a:rPr>
-                  <a:t>这</a:t>
-                </a:r>
-                <a:r>
-                  <a:rPr lang="zh-CN" altLang="en-US" sz="2800" dirty="0" smtClean="0">
-                    <a:latin typeface="华文中宋" panose="02010600040101010101" pitchFamily="2" charset="-122"/>
-                  </a:rPr>
-                  <a:t>说明</a:t>
+                  <a:t>这说明</a:t>
                 </a:r>
                 <a14:m>
                   <m:oMath xmlns:m="http://schemas.openxmlformats.org/officeDocument/2006/math">
@@ -22591,7 +22573,7 @@
             </p:txBody>
           </p:sp>
         </mc:Choice>
-        <mc:Fallback>
+        <mc:Fallback xmlns="">
           <p:sp>
             <p:nvSpPr>
               <p:cNvPr id="20483" name="Rectangle 3"/>
@@ -23324,8 +23306,8 @@
           </p:sp>
         </mc:Fallback>
       </mc:AlternateContent>
-      <mc:AlternateContent xmlns:mc="http://schemas.openxmlformats.org/markup-compatibility/2006">
-        <mc:Choice xmlns:a14="http://schemas.microsoft.com/office/drawing/2010/main" Requires="a14">
+      <mc:AlternateContent xmlns:mc="http://schemas.openxmlformats.org/markup-compatibility/2006" xmlns:a14="http://schemas.microsoft.com/office/drawing/2010/main">
+        <mc:Choice Requires="a14">
           <p:sp>
             <p:nvSpPr>
               <p:cNvPr id="23562" name="Rectangle 10"/>
@@ -24455,7 +24437,7 @@
             </p:txBody>
           </p:sp>
         </mc:Choice>
-        <mc:Fallback>
+        <mc:Fallback xmlns="">
           <p:sp>
             <p:nvSpPr>
               <p:cNvPr id="23562" name="Rectangle 10"/>
